--- a/slides/Week1.pptx
+++ b/slides/Week1.pptx
@@ -8383,12 +8383,6 @@
             <a:normAutofit/>
           </a:bodyPr>
           <a:lstStyle/>
-          <a:p>
-            <a:r>
-              <a:rPr lang="en-US" dirty="0"/>
-              <a:t>Second half is mainly taught by Liu</a:t>
-            </a:r>
-          </a:p>
           <a:p>
             <a:r>
               <a:rPr lang="en-US" b="1" dirty="0"/>

--- a/slides/Week1.pptx
+++ b/slides/Week1.pptx
@@ -37,6 +37,7 @@
     <p:sldId id="262" r:id="rId31"/>
     <p:sldId id="269" r:id="rId32"/>
     <p:sldId id="297" r:id="rId33"/>
+    <p:sldId id="298" r:id="rId34"/>
   </p:sldIdLst>
   <p:sldSz cx="9144000" cy="5143500" type="screen16x9"/>
   <p:notesSz cx="6858000" cy="9144000"/>
@@ -290,7 +291,7 @@
           <a:p>
             <a:fld id="{951F334E-BB0B-2F4C-860B-AB91C4AFDE55}" type="datetimeFigureOut">
               <a:rPr lang="en-US" smtClean="0"/>
-              <a:t>1/10/23</a:t>
+              <a:t>1/11/23</a:t>
             </a:fld>
             <a:endParaRPr lang="en-US"/>
           </a:p>
@@ -488,7 +489,7 @@
           <a:p>
             <a:fld id="{951F334E-BB0B-2F4C-860B-AB91C4AFDE55}" type="datetimeFigureOut">
               <a:rPr lang="en-US" smtClean="0"/>
-              <a:t>1/10/23</a:t>
+              <a:t>1/11/23</a:t>
             </a:fld>
             <a:endParaRPr lang="en-US"/>
           </a:p>
@@ -696,7 +697,7 @@
           <a:p>
             <a:fld id="{951F334E-BB0B-2F4C-860B-AB91C4AFDE55}" type="datetimeFigureOut">
               <a:rPr lang="en-US" smtClean="0"/>
-              <a:t>1/10/23</a:t>
+              <a:t>1/11/23</a:t>
             </a:fld>
             <a:endParaRPr lang="en-US"/>
           </a:p>
@@ -894,7 +895,7 @@
           <a:p>
             <a:fld id="{951F334E-BB0B-2F4C-860B-AB91C4AFDE55}" type="datetimeFigureOut">
               <a:rPr lang="en-US" smtClean="0"/>
-              <a:t>1/10/23</a:t>
+              <a:t>1/11/23</a:t>
             </a:fld>
             <a:endParaRPr lang="en-US"/>
           </a:p>
@@ -1169,7 +1170,7 @@
           <a:p>
             <a:fld id="{951F334E-BB0B-2F4C-860B-AB91C4AFDE55}" type="datetimeFigureOut">
               <a:rPr lang="en-US" smtClean="0"/>
-              <a:t>1/10/23</a:t>
+              <a:t>1/11/23</a:t>
             </a:fld>
             <a:endParaRPr lang="en-US"/>
           </a:p>
@@ -1434,7 +1435,7 @@
           <a:p>
             <a:fld id="{951F334E-BB0B-2F4C-860B-AB91C4AFDE55}" type="datetimeFigureOut">
               <a:rPr lang="en-US" smtClean="0"/>
-              <a:t>1/10/23</a:t>
+              <a:t>1/11/23</a:t>
             </a:fld>
             <a:endParaRPr lang="en-US"/>
           </a:p>
@@ -1846,7 +1847,7 @@
           <a:p>
             <a:fld id="{951F334E-BB0B-2F4C-860B-AB91C4AFDE55}" type="datetimeFigureOut">
               <a:rPr lang="en-US" smtClean="0"/>
-              <a:t>1/10/23</a:t>
+              <a:t>1/11/23</a:t>
             </a:fld>
             <a:endParaRPr lang="en-US"/>
           </a:p>
@@ -1987,7 +1988,7 @@
           <a:p>
             <a:fld id="{951F334E-BB0B-2F4C-860B-AB91C4AFDE55}" type="datetimeFigureOut">
               <a:rPr lang="en-US" smtClean="0"/>
-              <a:t>1/10/23</a:t>
+              <a:t>1/11/23</a:t>
             </a:fld>
             <a:endParaRPr lang="en-US"/>
           </a:p>
@@ -2100,7 +2101,7 @@
           <a:p>
             <a:fld id="{951F334E-BB0B-2F4C-860B-AB91C4AFDE55}" type="datetimeFigureOut">
               <a:rPr lang="en-US" smtClean="0"/>
-              <a:t>1/10/23</a:t>
+              <a:t>1/11/23</a:t>
             </a:fld>
             <a:endParaRPr lang="en-US"/>
           </a:p>
@@ -2411,7 +2412,7 @@
           <a:p>
             <a:fld id="{951F334E-BB0B-2F4C-860B-AB91C4AFDE55}" type="datetimeFigureOut">
               <a:rPr lang="en-US" smtClean="0"/>
-              <a:t>1/10/23</a:t>
+              <a:t>1/11/23</a:t>
             </a:fld>
             <a:endParaRPr lang="en-US"/>
           </a:p>
@@ -2699,7 +2700,7 @@
           <a:p>
             <a:fld id="{951F334E-BB0B-2F4C-860B-AB91C4AFDE55}" type="datetimeFigureOut">
               <a:rPr lang="en-US" smtClean="0"/>
-              <a:t>1/10/23</a:t>
+              <a:t>1/11/23</a:t>
             </a:fld>
             <a:endParaRPr lang="en-US"/>
           </a:p>
@@ -2940,7 +2941,7 @@
           <a:p>
             <a:fld id="{951F334E-BB0B-2F4C-860B-AB91C4AFDE55}" type="datetimeFigureOut">
               <a:rPr lang="en-US" smtClean="0"/>
-              <a:t>1/10/23</a:t>
+              <a:t>1/11/23</a:t>
             </a:fld>
             <a:endParaRPr lang="en-US"/>
           </a:p>
@@ -7827,6 +7828,172 @@
 </p:sld>
 </file>
 
+<file path=ppt/slides/slide33.xml><?xml version="1.0" encoding="utf-8"?>
+<p:sld xmlns:a="http://schemas.openxmlformats.org/drawingml/2006/main" xmlns:r="http://schemas.openxmlformats.org/officeDocument/2006/relationships" xmlns:p="http://schemas.openxmlformats.org/presentationml/2006/main">
+  <p:cSld>
+    <p:spTree>
+      <p:nvGrpSpPr>
+        <p:cNvPr id="1" name=""/>
+        <p:cNvGrpSpPr/>
+        <p:nvPr/>
+      </p:nvGrpSpPr>
+      <p:grpSpPr>
+        <a:xfrm>
+          <a:off x="0" y="0"/>
+          <a:ext cx="0" cy="0"/>
+          <a:chOff x="0" y="0"/>
+          <a:chExt cx="0" cy="0"/>
+        </a:xfrm>
+      </p:grpSpPr>
+      <p:sp>
+        <p:nvSpPr>
+          <p:cNvPr id="2" name="Title 4">
+            <a:extLst>
+              <a:ext uri="{FF2B5EF4-FFF2-40B4-BE49-F238E27FC236}">
+                <a16:creationId xmlns:a16="http://schemas.microsoft.com/office/drawing/2014/main" id="{EA37C856-99C8-4092-C8E9-D3EDB9F10502}"/>
+              </a:ext>
+            </a:extLst>
+          </p:cNvPr>
+          <p:cNvSpPr txBox="1">
+            <a:spLocks/>
+          </p:cNvSpPr>
+          <p:nvPr/>
+        </p:nvSpPr>
+        <p:spPr>
+          <a:xfrm>
+            <a:off x="628650" y="273844"/>
+            <a:ext cx="7886700" cy="994172"/>
+          </a:xfrm>
+          <a:prstGeom prst="rect">
+            <a:avLst/>
+          </a:prstGeom>
+        </p:spPr>
+        <p:txBody>
+          <a:bodyPr/>
+          <a:lstStyle>
+            <a:lvl1pPr algn="l" defTabSz="685800" rtl="0" eaLnBrk="1" latinLnBrk="0" hangingPunct="1">
+              <a:lnSpc>
+                <a:spcPct val="90000"/>
+              </a:lnSpc>
+              <a:spcBef>
+                <a:spcPct val="0"/>
+              </a:spcBef>
+              <a:buNone/>
+              <a:defRPr sz="3300" kern="1200">
+                <a:solidFill>
+                  <a:schemeClr val="tx1"/>
+                </a:solidFill>
+                <a:latin typeface="+mj-lt"/>
+                <a:ea typeface="+mj-ea"/>
+                <a:cs typeface="+mj-cs"/>
+              </a:defRPr>
+            </a:lvl1pPr>
+          </a:lstStyle>
+          <a:p>
+            <a:r>
+              <a:rPr lang="en-US" dirty="0"/>
+              <a:t>Agenda (Thursday)</a:t>
+            </a:r>
+          </a:p>
+        </p:txBody>
+      </p:sp>
+      <p:sp>
+        <p:nvSpPr>
+          <p:cNvPr id="3" name="TextBox 2">
+            <a:extLst>
+              <a:ext uri="{FF2B5EF4-FFF2-40B4-BE49-F238E27FC236}">
+                <a16:creationId xmlns:a16="http://schemas.microsoft.com/office/drawing/2014/main" id="{2611E2B6-162C-8869-7CD7-079D6A019799}"/>
+              </a:ext>
+            </a:extLst>
+          </p:cNvPr>
+          <p:cNvSpPr txBox="1"/>
+          <p:nvPr/>
+        </p:nvSpPr>
+        <p:spPr>
+          <a:xfrm>
+            <a:off x="746879" y="1139170"/>
+            <a:ext cx="6981290" cy="1477328"/>
+          </a:xfrm>
+          <a:prstGeom prst="rect">
+            <a:avLst/>
+          </a:prstGeom>
+          <a:noFill/>
+        </p:spPr>
+        <p:txBody>
+          <a:bodyPr wrap="square" rtlCol="0">
+            <a:spAutoFit/>
+          </a:bodyPr>
+          <a:lstStyle/>
+          <a:p>
+            <a:pPr marL="285750" indent="-285750">
+              <a:buFont typeface="Arial" panose="020B0604020202020204" pitchFamily="34" charset="0"/>
+              <a:buChar char="•"/>
+            </a:pPr>
+            <a:r>
+              <a:rPr lang="en-US" dirty="0"/>
+              <a:t>Demo in MATLAB (Atlanta temperature)</a:t>
+            </a:r>
+          </a:p>
+          <a:p>
+            <a:pPr marL="285750" indent="-285750">
+              <a:buFont typeface="Arial" panose="020B0604020202020204" pitchFamily="34" charset="0"/>
+              <a:buChar char="•"/>
+            </a:pPr>
+            <a:r>
+              <a:rPr lang="en-US" dirty="0"/>
+              <a:t>Basic MALAB/Python Tutorial (by Abhinav)</a:t>
+            </a:r>
+          </a:p>
+          <a:p>
+            <a:pPr marL="285750" indent="-285750">
+              <a:buFont typeface="Arial" panose="020B0604020202020204" pitchFamily="34" charset="0"/>
+              <a:buChar char="•"/>
+            </a:pPr>
+            <a:r>
+              <a:rPr lang="en-US" dirty="0"/>
+              <a:t>How to download data from </a:t>
+            </a:r>
+            <a:r>
+              <a:rPr lang="en-US" dirty="0" err="1"/>
+              <a:t>weather.gov</a:t>
+            </a:r>
+            <a:endParaRPr lang="en-US" dirty="0"/>
+          </a:p>
+          <a:p>
+            <a:pPr marL="285750" indent="-285750">
+              <a:buFont typeface="Arial" panose="020B0604020202020204" pitchFamily="34" charset="0"/>
+              <a:buChar char="•"/>
+            </a:pPr>
+            <a:r>
+              <a:rPr lang="en-US" dirty="0"/>
+              <a:t>Homework 1</a:t>
+            </a:r>
+          </a:p>
+          <a:p>
+            <a:pPr marL="285750" indent="-285750">
+              <a:buFont typeface="Arial" panose="020B0604020202020204" pitchFamily="34" charset="0"/>
+              <a:buChar char="•"/>
+            </a:pPr>
+            <a:r>
+              <a:rPr lang="en-US" dirty="0"/>
+              <a:t>Active learning: Run the code by your own </a:t>
+            </a:r>
+          </a:p>
+        </p:txBody>
+      </p:sp>
+    </p:spTree>
+    <p:extLst>
+      <p:ext uri="{BB962C8B-B14F-4D97-AF65-F5344CB8AC3E}">
+        <p14:creationId xmlns:p14="http://schemas.microsoft.com/office/powerpoint/2010/main" val="1474138320"/>
+      </p:ext>
+    </p:extLst>
+  </p:cSld>
+  <p:clrMapOvr>
+    <a:masterClrMapping/>
+  </p:clrMapOvr>
+</p:sld>
+</file>
+
 <file path=ppt/slides/slide4.xml><?xml version="1.0" encoding="utf-8"?>
 <p:sld xmlns:a="http://schemas.openxmlformats.org/drawingml/2006/main" xmlns:r="http://schemas.openxmlformats.org/officeDocument/2006/relationships" xmlns:p="http://schemas.openxmlformats.org/presentationml/2006/main">
   <p:cSld>
@@ -8385,8 +8552,12 @@
           <a:lstStyle/>
           <a:p>
             <a:r>
+              <a:rPr lang="en-US" b="1"/>
+              <a:t>Week </a:t>
+            </a:r>
+            <a:r>
               <a:rPr lang="en-US" b="1" dirty="0"/>
-              <a:t>Week 8: 	</a:t>
+              <a:t>8: 	</a:t>
             </a:r>
             <a:r>
               <a:rPr lang="en-US" dirty="0"/>
